--- a/Представление Мазурек Вадим.pptx
+++ b/Представление Мазурек Вадим.pptx
@@ -115,6 +115,11 @@
       </a:defRPr>
     </a:lvl9pPr>
   </p:defaultTextStyle>
+  <p:extLst>
+    <p:ext uri="{EFAFB233-063F-42B5-8137-9DF3F51BA10A}">
+      <p15:sldGuideLst xmlns:p15="http://schemas.microsoft.com/office/powerpoint/2012/main"/>
+    </p:ext>
+  </p:extLst>
 </p:presentation>
 </file>
 
@@ -265,7 +270,7 @@
           <a:p>
             <a:fld id="{85ECA5FE-EB48-470D-90C5-C3424B4B4AAE}" type="datetimeFigureOut">
               <a:rPr lang="ru-RU" smtClean="0"/>
-              <a:t>27.12.2020</a:t>
+              <a:t>28.12.2020</a:t>
             </a:fld>
             <a:endParaRPr lang="ru-RU"/>
           </a:p>
@@ -463,7 +468,7 @@
           <a:p>
             <a:fld id="{85ECA5FE-EB48-470D-90C5-C3424B4B4AAE}" type="datetimeFigureOut">
               <a:rPr lang="ru-RU" smtClean="0"/>
-              <a:t>27.12.2020</a:t>
+              <a:t>28.12.2020</a:t>
             </a:fld>
             <a:endParaRPr lang="ru-RU"/>
           </a:p>
@@ -671,7 +676,7 @@
           <a:p>
             <a:fld id="{85ECA5FE-EB48-470D-90C5-C3424B4B4AAE}" type="datetimeFigureOut">
               <a:rPr lang="ru-RU" smtClean="0"/>
-              <a:t>27.12.2020</a:t>
+              <a:t>28.12.2020</a:t>
             </a:fld>
             <a:endParaRPr lang="ru-RU"/>
           </a:p>
@@ -869,7 +874,7 @@
           <a:p>
             <a:fld id="{85ECA5FE-EB48-470D-90C5-C3424B4B4AAE}" type="datetimeFigureOut">
               <a:rPr lang="ru-RU" smtClean="0"/>
-              <a:t>27.12.2020</a:t>
+              <a:t>28.12.2020</a:t>
             </a:fld>
             <a:endParaRPr lang="ru-RU"/>
           </a:p>
@@ -1144,7 +1149,7 @@
           <a:p>
             <a:fld id="{85ECA5FE-EB48-470D-90C5-C3424B4B4AAE}" type="datetimeFigureOut">
               <a:rPr lang="ru-RU" smtClean="0"/>
-              <a:t>27.12.2020</a:t>
+              <a:t>28.12.2020</a:t>
             </a:fld>
             <a:endParaRPr lang="ru-RU"/>
           </a:p>
@@ -1409,7 +1414,7 @@
           <a:p>
             <a:fld id="{85ECA5FE-EB48-470D-90C5-C3424B4B4AAE}" type="datetimeFigureOut">
               <a:rPr lang="ru-RU" smtClean="0"/>
-              <a:t>27.12.2020</a:t>
+              <a:t>28.12.2020</a:t>
             </a:fld>
             <a:endParaRPr lang="ru-RU"/>
           </a:p>
@@ -1821,7 +1826,7 @@
           <a:p>
             <a:fld id="{85ECA5FE-EB48-470D-90C5-C3424B4B4AAE}" type="datetimeFigureOut">
               <a:rPr lang="ru-RU" smtClean="0"/>
-              <a:t>27.12.2020</a:t>
+              <a:t>28.12.2020</a:t>
             </a:fld>
             <a:endParaRPr lang="ru-RU"/>
           </a:p>
@@ -1962,7 +1967,7 @@
           <a:p>
             <a:fld id="{85ECA5FE-EB48-470D-90C5-C3424B4B4AAE}" type="datetimeFigureOut">
               <a:rPr lang="ru-RU" smtClean="0"/>
-              <a:t>27.12.2020</a:t>
+              <a:t>28.12.2020</a:t>
             </a:fld>
             <a:endParaRPr lang="ru-RU"/>
           </a:p>
@@ -2075,7 +2080,7 @@
           <a:p>
             <a:fld id="{85ECA5FE-EB48-470D-90C5-C3424B4B4AAE}" type="datetimeFigureOut">
               <a:rPr lang="ru-RU" smtClean="0"/>
-              <a:t>27.12.2020</a:t>
+              <a:t>28.12.2020</a:t>
             </a:fld>
             <a:endParaRPr lang="ru-RU"/>
           </a:p>
@@ -2386,7 +2391,7 @@
           <a:p>
             <a:fld id="{85ECA5FE-EB48-470D-90C5-C3424B4B4AAE}" type="datetimeFigureOut">
               <a:rPr lang="ru-RU" smtClean="0"/>
-              <a:t>27.12.2020</a:t>
+              <a:t>28.12.2020</a:t>
             </a:fld>
             <a:endParaRPr lang="ru-RU"/>
           </a:p>
@@ -2674,7 +2679,7 @@
           <a:p>
             <a:fld id="{85ECA5FE-EB48-470D-90C5-C3424B4B4AAE}" type="datetimeFigureOut">
               <a:rPr lang="ru-RU" smtClean="0"/>
-              <a:t>27.12.2020</a:t>
+              <a:t>28.12.2020</a:t>
             </a:fld>
             <a:endParaRPr lang="ru-RU"/>
           </a:p>
@@ -2915,7 +2920,7 @@
           <a:p>
             <a:fld id="{85ECA5FE-EB48-470D-90C5-C3424B4B4AAE}" type="datetimeFigureOut">
               <a:rPr lang="ru-RU" smtClean="0"/>
-              <a:t>27.12.2020</a:t>
+              <a:t>28.12.2020</a:t>
             </a:fld>
             <a:endParaRPr lang="ru-RU"/>
           </a:p>
@@ -3346,7 +3351,7 @@
         </p:nvSpPr>
         <p:spPr>
           <a:xfrm>
-            <a:off x="4104909" y="2420888"/>
+            <a:off x="4104908" y="2420888"/>
             <a:ext cx="3982180" cy="1446550"/>
           </a:xfrm>
           <a:prstGeom prst="rect">
@@ -3400,7 +3405,7 @@
         </p:nvSpPr>
         <p:spPr>
           <a:xfrm>
-            <a:off x="8054036" y="4603531"/>
+            <a:off x="8256240" y="4725144"/>
             <a:ext cx="3171509" cy="646331"/>
           </a:xfrm>
           <a:prstGeom prst="rect">
@@ -3457,7 +3462,7 @@
         </p:nvSpPr>
         <p:spPr>
           <a:xfrm>
-            <a:off x="5601730" y="5715028"/>
+            <a:off x="5601728" y="5715028"/>
             <a:ext cx="988540" cy="646331"/>
           </a:xfrm>
           <a:prstGeom prst="rect">
@@ -3500,7 +3505,7 @@
         </p:nvSpPr>
         <p:spPr>
           <a:xfrm>
-            <a:off x="4335375" y="496641"/>
+            <a:off x="4335374" y="496641"/>
             <a:ext cx="3521249" cy="461665"/>
           </a:xfrm>
           <a:prstGeom prst="rect">
@@ -3627,7 +3632,7 @@
         </p:blipFill>
         <p:spPr>
           <a:xfrm>
-            <a:off x="1917483" y="848439"/>
+            <a:off x="2180715" y="858524"/>
             <a:ext cx="7830569" cy="5627008"/>
           </a:xfrm>
           <a:prstGeom prst="rect">
@@ -3649,8 +3654,8 @@
         </p:nvSpPr>
         <p:spPr>
           <a:xfrm>
-            <a:off x="1987804" y="318125"/>
-            <a:ext cx="7689926" cy="584775"/>
+            <a:off x="2720716" y="362183"/>
+            <a:ext cx="6750566" cy="523220"/>
           </a:xfrm>
           <a:prstGeom prst="rect">
             <a:avLst/>
@@ -3664,7 +3669,7 @@
           <a:lstStyle/>
           <a:p>
             <a:r>
-              <a:rPr lang="ru-RU" sz="3200" dirty="0">
+              <a:rPr lang="ru-RU" sz="2800" dirty="0">
                 <a:solidFill>
                   <a:schemeClr val="bg2">
                     <a:lumMod val="25000"/>
@@ -4138,7 +4143,7 @@
         </p:nvSpPr>
         <p:spPr>
           <a:xfrm>
-            <a:off x="4614404" y="461076"/>
+            <a:off x="4515274" y="461076"/>
             <a:ext cx="3161443" cy="646331"/>
           </a:xfrm>
           <a:prstGeom prst="rect">
@@ -4213,7 +4218,7 @@
         <p:spPr>
           <a:xfrm>
             <a:off x="1653114" y="1988840"/>
-            <a:ext cx="8885766" cy="461665"/>
+            <a:ext cx="9004388" cy="461665"/>
           </a:xfrm>
           <a:prstGeom prst="rect">
             <a:avLst/>
@@ -4238,6 +4243,11 @@
               <a:rPr lang="ru-RU" sz="2400" dirty="0"/>
               <a:t> систему</a:t>
             </a:r>
+            <a:r>
+              <a:rPr lang="en-US" sz="2400" dirty="0"/>
+              <a:t>.</a:t>
+            </a:r>
+            <a:endParaRPr lang="ru-RU" sz="2400" dirty="0"/>
           </a:p>
         </p:txBody>
       </p:sp>
@@ -4256,7 +4266,7 @@
         <p:spPr>
           <a:xfrm>
             <a:off x="459197" y="3243875"/>
-            <a:ext cx="11273599" cy="646331"/>
+            <a:ext cx="8917569" cy="1200329"/>
           </a:xfrm>
           <a:prstGeom prst="rect">
             <a:avLst/>
@@ -4270,14 +4280,21 @@
           <a:lstStyle/>
           <a:p>
             <a:r>
-              <a:rPr lang="ru-RU" dirty="0"/>
-              <a:t>Исходя из идеи, проект можно использовать в разных условиях связанных с типичными кассовыми функциями.</a:t>
+              <a:rPr lang="ru-RU" sz="2400" dirty="0"/>
+              <a:t>Исходя из идеи, проект можно использовать в разных </a:t>
+            </a:r>
+            <a:endParaRPr lang="en-US" sz="2400" dirty="0"/>
+          </a:p>
+          <a:p>
+            <a:r>
+              <a:rPr lang="ru-RU" sz="2400" dirty="0"/>
+              <a:t>условиях связанных с типичными кассовыми функциями.</a:t>
             </a:r>
             <a:br>
-              <a:rPr lang="ru-RU" dirty="0"/>
+              <a:rPr lang="ru-RU" sz="2400" dirty="0"/>
             </a:br>
             <a:r>
-              <a:rPr lang="ru-RU" dirty="0"/>
+              <a:rPr lang="ru-RU" sz="2400" dirty="0"/>
               <a:t>То есть можно использовать буквально везде где продают товары.</a:t>
             </a:r>
           </a:p>
@@ -4327,7 +4344,7 @@
         </p:nvSpPr>
         <p:spPr>
           <a:xfrm>
-            <a:off x="4702830" y="481065"/>
+            <a:off x="4561821" y="414388"/>
             <a:ext cx="2786340" cy="646331"/>
           </a:xfrm>
           <a:prstGeom prst="rect">
@@ -4685,7 +4702,7 @@
         </p:nvSpPr>
         <p:spPr>
           <a:xfrm>
-            <a:off x="3831598" y="476672"/>
+            <a:off x="3831598" y="496571"/>
             <a:ext cx="4528804" cy="646331"/>
           </a:xfrm>
           <a:prstGeom prst="rect">
@@ -4724,7 +4741,7 @@
         <p:spPr>
           <a:xfrm>
             <a:off x="1343472" y="1655473"/>
-            <a:ext cx="4523098" cy="707886"/>
+            <a:ext cx="5384616" cy="830997"/>
           </a:xfrm>
           <a:prstGeom prst="rect">
             <a:avLst/>
@@ -4738,37 +4755,37 @@
           <a:lstStyle/>
           <a:p>
             <a:r>
-              <a:rPr lang="ru-RU" sz="2000" dirty="0"/>
+              <a:rPr lang="ru-RU" sz="2400" dirty="0"/>
               <a:t>Для создания использовался </a:t>
             </a:r>
             <a:r>
-              <a:rPr lang="ru-RU" sz="2000" dirty="0" err="1"/>
+              <a:rPr lang="ru-RU" sz="2400" dirty="0" err="1"/>
               <a:t>яп</a:t>
             </a:r>
             <a:r>
-              <a:rPr lang="ru-RU" sz="2000" dirty="0"/>
+              <a:rPr lang="ru-RU" sz="2400" dirty="0"/>
               <a:t> </a:t>
             </a:r>
             <a:r>
-              <a:rPr lang="en-US" sz="2000" dirty="0"/>
+              <a:rPr lang="en-US" sz="2400" dirty="0"/>
               <a:t>Python</a:t>
             </a:r>
             <a:r>
-              <a:rPr lang="ru-RU" sz="2000" dirty="0"/>
+              <a:rPr lang="ru-RU" sz="2400" dirty="0"/>
               <a:t>.</a:t>
             </a:r>
             <a:br>
-              <a:rPr lang="en-US" sz="2000" dirty="0"/>
+              <a:rPr lang="en-US" sz="2400" dirty="0"/>
             </a:br>
             <a:r>
-              <a:rPr lang="ru-RU" sz="2000" dirty="0"/>
+              <a:rPr lang="ru-RU" sz="2400" dirty="0"/>
               <a:t>Так же библиотеки</a:t>
             </a:r>
             <a:r>
-              <a:rPr lang="en-US" sz="2000" dirty="0"/>
+              <a:rPr lang="en-US" sz="2400" dirty="0"/>
               <a:t>:</a:t>
             </a:r>
-            <a:endParaRPr lang="ru-RU" sz="2000" dirty="0"/>
+            <a:endParaRPr lang="ru-RU" sz="2400" dirty="0"/>
           </a:p>
         </p:txBody>
       </p:sp>
@@ -4786,8 +4803,8 @@
         </p:nvSpPr>
         <p:spPr>
           <a:xfrm>
-            <a:off x="2211603" y="2286432"/>
-            <a:ext cx="6834243" cy="707886"/>
+            <a:off x="2207568" y="2383504"/>
+            <a:ext cx="8087727" cy="830997"/>
           </a:xfrm>
           <a:prstGeom prst="rect">
             <a:avLst/>
@@ -4805,11 +4822,11 @@
               <a:buAutoNum type="arabicPeriod"/>
             </a:pPr>
             <a:r>
-              <a:rPr lang="en-US" sz="2000" dirty="0"/>
+              <a:rPr lang="en-US" sz="2400" dirty="0"/>
               <a:t>PyQt5</a:t>
             </a:r>
             <a:r>
-              <a:rPr lang="ru-RU" sz="2000" dirty="0"/>
+              <a:rPr lang="ru-RU" sz="2400" dirty="0"/>
               <a:t> – интерфейс для взаимодействия с пользователем.</a:t>
             </a:r>
           </a:p>
@@ -4819,15 +4836,15 @@
               <a:buAutoNum type="arabicPeriod"/>
             </a:pPr>
             <a:r>
-              <a:rPr lang="en-US" sz="2000" dirty="0" err="1"/>
+              <a:rPr lang="en-US" sz="2400" dirty="0" err="1"/>
               <a:t>Sqlite</a:t>
             </a:r>
             <a:r>
-              <a:rPr lang="en-US" sz="2000" dirty="0"/>
+              <a:rPr lang="en-US" sz="2400" dirty="0"/>
               <a:t> 3 </a:t>
             </a:r>
             <a:r>
-              <a:rPr lang="ru-RU" sz="2000" dirty="0"/>
+              <a:rPr lang="ru-RU" sz="2400" dirty="0"/>
               <a:t>– система управления базой данных.</a:t>
             </a:r>
           </a:p>
@@ -4847,8 +4864,8 @@
         </p:nvSpPr>
         <p:spPr>
           <a:xfrm>
-            <a:off x="1343472" y="3105834"/>
-            <a:ext cx="5983048" cy="707886"/>
+            <a:off x="1343472" y="3214501"/>
+            <a:ext cx="7141442" cy="830997"/>
           </a:xfrm>
           <a:prstGeom prst="rect">
             <a:avLst/>
@@ -4862,13 +4879,13 @@
           <a:lstStyle/>
           <a:p>
             <a:r>
-              <a:rPr lang="ru-RU" sz="2000" dirty="0"/>
+              <a:rPr lang="ru-RU" sz="2400" dirty="0"/>
               <a:t>Реализован механизм защиты фотографий продукта.</a:t>
             </a:r>
           </a:p>
           <a:p>
             <a:r>
-              <a:rPr lang="ru-RU" sz="2000" dirty="0"/>
+              <a:rPr lang="ru-RU" sz="2400" dirty="0"/>
               <a:t>Удобное обновление атрибутов продукта.</a:t>
             </a:r>
           </a:p>
@@ -4990,7 +5007,7 @@
         </p:nvSpPr>
         <p:spPr>
           <a:xfrm>
-            <a:off x="3218128" y="475003"/>
+            <a:off x="2845751" y="475003"/>
             <a:ext cx="6500497" cy="646331"/>
           </a:xfrm>
           <a:prstGeom prst="rect">
@@ -5004,6 +5021,7 @@
           </a:bodyPr>
           <a:lstStyle/>
           <a:p>
+            <a:pPr algn="ctr"/>
             <a:r>
               <a:rPr lang="ru-RU" sz="3600" dirty="0">
                 <a:latin typeface="Roboto" panose="02000000000000000000" pitchFamily="2" charset="0"/>
@@ -5270,7 +5288,7 @@
         </p:nvSpPr>
         <p:spPr>
           <a:xfrm>
-            <a:off x="2804073" y="684472"/>
+            <a:off x="2804073" y="677257"/>
             <a:ext cx="6583854" cy="646331"/>
           </a:xfrm>
           <a:prstGeom prst="rect">
@@ -5368,7 +5386,7 @@
         </p:nvSpPr>
         <p:spPr>
           <a:xfrm>
-            <a:off x="2872200" y="620688"/>
+            <a:off x="2872200" y="549138"/>
             <a:ext cx="6447599" cy="646331"/>
           </a:xfrm>
           <a:prstGeom prst="rect">
@@ -5414,7 +5432,7 @@
         </p:blipFill>
         <p:spPr>
           <a:xfrm>
-            <a:off x="6625025" y="1772816"/>
+            <a:off x="7201089" y="1726621"/>
             <a:ext cx="3287399" cy="3003595"/>
           </a:xfrm>
           <a:prstGeom prst="rect">
@@ -5444,7 +5462,7 @@
         </p:blipFill>
         <p:spPr>
           <a:xfrm>
-            <a:off x="983432" y="1772816"/>
+            <a:off x="1703512" y="1748951"/>
             <a:ext cx="3571875" cy="4705350"/>
           </a:xfrm>
           <a:prstGeom prst="rect">
@@ -5578,7 +5596,7 @@
         </p:blipFill>
         <p:spPr>
           <a:xfrm>
-            <a:off x="479376" y="1873721"/>
+            <a:off x="1188745" y="1861848"/>
             <a:ext cx="4248150" cy="4305300"/>
           </a:xfrm>
           <a:prstGeom prst="rect">
@@ -5608,7 +5626,7 @@
         </p:blipFill>
         <p:spPr>
           <a:xfrm>
-            <a:off x="6779097" y="1862019"/>
+            <a:off x="6736055" y="1850146"/>
             <a:ext cx="4267200" cy="4317002"/>
           </a:xfrm>
           <a:prstGeom prst="rect">
